--- a/Vendor_Boards/Great_Cow_Basic_Demo_Board/18Fx6q20_ChipRange_Demonstrations/tutorials/GCBASIC_Part16_storage.pptx
+++ b/Vendor_Boards/Great_Cow_Basic_Demo_Board/18Fx6q20_ChipRange_Demonstrations/tutorials/GCBASIC_Part16_storage.pptx
@@ -127,7 +127,7 @@
   </p:defaultTextStyle>
   <p:extLst>
     <p:ext uri="{EFAFB233-063F-42B5-8137-9DF3F51BA10A}">
-      <p15:sldGuideLst xmlns:p15="http://schemas.microsoft.com/office/powerpoint/2012/main">
+      <p15:sldGuideLst xmlns="" xmlns:p15="http://schemas.microsoft.com/office/powerpoint/2012/main">
         <p15:guide id="1" orient="horz" pos="1620">
           <p15:clr>
             <a:srgbClr val="A4A3A4"/>
@@ -141,7 +141,7 @@
       </p15:sldGuideLst>
     </p:ext>
     <p:ext uri="{2D200454-40CA-4A62-9FC3-DE9A4176ACB9}">
-      <p15:notesGuideLst xmlns:p15="http://schemas.microsoft.com/office/powerpoint/2012/main">
+      <p15:notesGuideLst xmlns="" xmlns:p15="http://schemas.microsoft.com/office/powerpoint/2012/main">
         <p15:guide id="1" orient="horz" pos="2880">
           <p15:clr>
             <a:srgbClr val="A4A3A4"/>
@@ -241,7 +241,7 @@
             <a:fld id="{742E545A-AB39-44F0-B5A6-04A90C6C9399}" type="datetimeFigureOut">
               <a:rPr lang="en-GB" smtClean="0"/>
               <a:pPr/>
-              <a:t>09/11/2024</a:t>
+              <a:t>12/11/2024</a:t>
             </a:fld>
             <a:endParaRPr lang="en-GB"/>
           </a:p>
@@ -408,7 +408,7 @@
             <a:fld id="{FF100B3C-2E11-428B-8555-A77018253716}" type="datetimeFigureOut">
               <a:rPr lang="en-GB" smtClean="0"/>
               <a:pPr/>
-              <a:t>09/11/2024</a:t>
+              <a:t>12/11/2024</a:t>
             </a:fld>
             <a:endParaRPr lang="en-GB"/>
           </a:p>
@@ -861,7 +861,7 @@
             <a:fld id="{C473AACB-D821-4991-9D88-46EB8D29E619}" type="datetimeFigureOut">
               <a:rPr lang="en-GB" smtClean="0"/>
               <a:pPr/>
-              <a:t>09/11/2024</a:t>
+              <a:t>12/11/2024</a:t>
             </a:fld>
             <a:endParaRPr lang="en-GB" dirty="0"/>
           </a:p>
@@ -1029,7 +1029,7 @@
             <a:fld id="{C473AACB-D821-4991-9D88-46EB8D29E619}" type="datetimeFigureOut">
               <a:rPr lang="en-GB" smtClean="0"/>
               <a:pPr/>
-              <a:t>09/11/2024</a:t>
+              <a:t>12/11/2024</a:t>
             </a:fld>
             <a:endParaRPr lang="en-GB" dirty="0"/>
           </a:p>
@@ -1207,7 +1207,7 @@
             <a:fld id="{C473AACB-D821-4991-9D88-46EB8D29E619}" type="datetimeFigureOut">
               <a:rPr lang="en-GB" smtClean="0"/>
               <a:pPr/>
-              <a:t>09/11/2024</a:t>
+              <a:t>12/11/2024</a:t>
             </a:fld>
             <a:endParaRPr lang="en-GB" dirty="0"/>
           </a:p>
@@ -1375,7 +1375,7 @@
             <a:fld id="{C473AACB-D821-4991-9D88-46EB8D29E619}" type="datetimeFigureOut">
               <a:rPr lang="en-GB" smtClean="0"/>
               <a:pPr/>
-              <a:t>09/11/2024</a:t>
+              <a:t>12/11/2024</a:t>
             </a:fld>
             <a:endParaRPr lang="en-GB" dirty="0"/>
           </a:p>
@@ -1619,7 +1619,7 @@
             <a:fld id="{C473AACB-D821-4991-9D88-46EB8D29E619}" type="datetimeFigureOut">
               <a:rPr lang="en-GB" smtClean="0"/>
               <a:pPr/>
-              <a:t>09/11/2024</a:t>
+              <a:t>12/11/2024</a:t>
             </a:fld>
             <a:endParaRPr lang="en-GB" dirty="0"/>
           </a:p>
@@ -1905,7 +1905,7 @@
             <a:fld id="{C473AACB-D821-4991-9D88-46EB8D29E619}" type="datetimeFigureOut">
               <a:rPr lang="en-GB" smtClean="0"/>
               <a:pPr/>
-              <a:t>09/11/2024</a:t>
+              <a:t>12/11/2024</a:t>
             </a:fld>
             <a:endParaRPr lang="en-GB" dirty="0"/>
           </a:p>
@@ -2330,7 +2330,7 @@
             <a:fld id="{C473AACB-D821-4991-9D88-46EB8D29E619}" type="datetimeFigureOut">
               <a:rPr lang="en-GB" smtClean="0"/>
               <a:pPr/>
-              <a:t>09/11/2024</a:t>
+              <a:t>12/11/2024</a:t>
             </a:fld>
             <a:endParaRPr lang="en-GB" dirty="0"/>
           </a:p>
@@ -2446,7 +2446,7 @@
             <a:fld id="{C473AACB-D821-4991-9D88-46EB8D29E619}" type="datetimeFigureOut">
               <a:rPr lang="en-GB" smtClean="0"/>
               <a:pPr/>
-              <a:t>09/11/2024</a:t>
+              <a:t>12/11/2024</a:t>
             </a:fld>
             <a:endParaRPr lang="en-GB" dirty="0"/>
           </a:p>
@@ -2539,7 +2539,7 @@
             <a:fld id="{C473AACB-D821-4991-9D88-46EB8D29E619}" type="datetimeFigureOut">
               <a:rPr lang="en-GB" smtClean="0"/>
               <a:pPr/>
-              <a:t>09/11/2024</a:t>
+              <a:t>12/11/2024</a:t>
             </a:fld>
             <a:endParaRPr lang="en-GB" dirty="0"/>
           </a:p>
@@ -2814,7 +2814,7 @@
             <a:fld id="{C473AACB-D821-4991-9D88-46EB8D29E619}" type="datetimeFigureOut">
               <a:rPr lang="en-GB" smtClean="0"/>
               <a:pPr/>
-              <a:t>09/11/2024</a:t>
+              <a:t>12/11/2024</a:t>
             </a:fld>
             <a:endParaRPr lang="en-GB" dirty="0"/>
           </a:p>
@@ -3065,7 +3065,7 @@
             <a:fld id="{C473AACB-D821-4991-9D88-46EB8D29E619}" type="datetimeFigureOut">
               <a:rPr lang="en-GB" smtClean="0"/>
               <a:pPr/>
-              <a:t>09/11/2024</a:t>
+              <a:t>12/11/2024</a:t>
             </a:fld>
             <a:endParaRPr lang="en-GB" dirty="0"/>
           </a:p>
@@ -3276,7 +3276,7 @@
             <a:fld id="{C473AACB-D821-4991-9D88-46EB8D29E619}" type="datetimeFigureOut">
               <a:rPr lang="en-GB" smtClean="0"/>
               <a:pPr/>
-              <a:t>09/11/2024</a:t>
+              <a:t>12/11/2024</a:t>
             </a:fld>
             <a:endParaRPr lang="en-GB" dirty="0"/>
           </a:p>
